--- a/AKI-Group4.pptx
+++ b/AKI-Group4.pptx
@@ -6,11 +6,12 @@
   </p:sldMasterIdLst>
   <p:sldIdLst>
     <p:sldId id="257" r:id="rId5"/>
-    <p:sldId id="262" r:id="rId6"/>
-    <p:sldId id="264" r:id="rId7"/>
-    <p:sldId id="263" r:id="rId8"/>
-    <p:sldId id="265" r:id="rId9"/>
-    <p:sldId id="266" r:id="rId10"/>
+    <p:sldId id="267" r:id="rId6"/>
+    <p:sldId id="262" r:id="rId7"/>
+    <p:sldId id="264" r:id="rId8"/>
+    <p:sldId id="263" r:id="rId9"/>
+    <p:sldId id="265" r:id="rId10"/>
+    <p:sldId id="266" r:id="rId11"/>
   </p:sldIdLst>
   <p:sldSz cx="12192000" cy="6858000"/>
   <p:notesSz cx="6858000" cy="9144000"/>
@@ -4351,7 +4352,7 @@
           <p:cNvPr id="2" name="Title 1">
             <a:extLst>
               <a:ext uri="{FF2B5EF4-FFF2-40B4-BE49-F238E27FC236}">
-                <a16:creationId xmlns:a16="http://schemas.microsoft.com/office/drawing/2014/main" id="{E59A3BCC-F096-4006-AD26-853E09FDEDE3}"/>
+                <a16:creationId xmlns:a16="http://schemas.microsoft.com/office/drawing/2014/main" id="{2C4A4337-2743-4478-AF05-3B76E4B44866}"/>
               </a:ext>
             </a:extLst>
           </p:cNvPr>
@@ -4362,103 +4363,53 @@
             <p:ph type="title"/>
           </p:nvPr>
         </p:nvSpPr>
-        <p:spPr/>
+        <p:spPr>
+          <a:xfrm>
+            <a:off x="-466725" y="-881406"/>
+            <a:ext cx="10058400" cy="1371600"/>
+          </a:xfrm>
+        </p:spPr>
         <p:txBody>
           <a:bodyPr/>
           <a:lstStyle/>
           <a:p>
-            <a:r>
-              <a:rPr lang="en-GB" dirty="0"/>
-              <a:t>We are team 4</a:t>
-            </a:r>
-          </a:p>
-        </p:txBody>
-      </p:sp>
-      <p:sp>
-        <p:nvSpPr>
-          <p:cNvPr id="3" name="Content Placeholder 2">
+            <a:endParaRPr lang="en-GB"/>
+          </a:p>
+        </p:txBody>
+      </p:sp>
+      <p:pic>
+        <p:nvPicPr>
+          <p:cNvPr id="5" name="Content Placeholder 4" descr="Graphical user interface, application, Teams&#10;&#10;Description automatically generated">
             <a:extLst>
               <a:ext uri="{FF2B5EF4-FFF2-40B4-BE49-F238E27FC236}">
-                <a16:creationId xmlns:a16="http://schemas.microsoft.com/office/drawing/2014/main" id="{B7FC754C-E453-4BAD-A0FC-6E8C489D9E92}"/>
+                <a16:creationId xmlns:a16="http://schemas.microsoft.com/office/drawing/2014/main" id="{016C1777-4A7A-4223-9FAE-FD1EA0F97AC2}"/>
               </a:ext>
             </a:extLst>
           </p:cNvPr>
-          <p:cNvSpPr>
-            <a:spLocks noGrp="1"/>
-          </p:cNvSpPr>
+          <p:cNvPicPr>
+            <a:picLocks noGrp="1" noChangeAspect="1"/>
+          </p:cNvPicPr>
           <p:nvPr>
             <p:ph idx="1"/>
           </p:nvPr>
-        </p:nvSpPr>
-        <p:spPr/>
-        <p:txBody>
-          <a:bodyPr/>
-          <a:lstStyle/>
-          <a:p>
-            <a:r>
-              <a:rPr lang="en-GB" dirty="0"/>
-              <a:t>Julian: </a:t>
-            </a:r>
-            <a:r>
-              <a:rPr lang="en-US" dirty="0"/>
-              <a:t>Physician, clinical background in internal medicine, currently working in medical informatics on semantics</a:t>
-            </a:r>
-            <a:endParaRPr lang="en-GB" dirty="0"/>
-          </a:p>
-          <a:p>
-            <a:r>
-              <a:rPr lang="en-GB" dirty="0"/>
-              <a:t>Scott: </a:t>
-            </a:r>
-            <a:r>
-              <a:rPr lang="en-US" dirty="0"/>
-              <a:t>Experienced software engineer. Recently joined university of Manchester. Learning about FHIR, informatics and academia in general.</a:t>
-            </a:r>
-            <a:endParaRPr lang="en-GB" dirty="0"/>
-          </a:p>
-          <a:p>
-            <a:r>
-              <a:rPr lang="en-GB" dirty="0"/>
-              <a:t>Ben: Software engineer, Data engineer &amp; business analyst. Good amount of experience with FHIR.</a:t>
-            </a:r>
-          </a:p>
-          <a:p>
-            <a:pPr marL="0" indent="0">
-              <a:buNone/>
-            </a:pPr>
-            <a:endParaRPr lang="en-GB" dirty="0"/>
-          </a:p>
-        </p:txBody>
-      </p:sp>
-      <p:sp>
-        <p:nvSpPr>
-          <p:cNvPr id="4" name="Text Placeholder 3">
-            <a:extLst>
-              <a:ext uri="{FF2B5EF4-FFF2-40B4-BE49-F238E27FC236}">
-                <a16:creationId xmlns:a16="http://schemas.microsoft.com/office/drawing/2014/main" id="{4798C1AB-C2FA-4500-A7AE-B4F07317B8BA}"/>
-              </a:ext>
-            </a:extLst>
-          </p:cNvPr>
-          <p:cNvSpPr>
-            <a:spLocks noGrp="1"/>
-          </p:cNvSpPr>
-          <p:nvPr>
-            <p:ph type="body" sz="half" idx="2"/>
-          </p:nvPr>
-        </p:nvSpPr>
-        <p:spPr/>
-        <p:txBody>
-          <a:bodyPr/>
-          <a:lstStyle/>
-          <a:p>
-            <a:endParaRPr lang="en-GB" dirty="0"/>
-          </a:p>
-        </p:txBody>
-      </p:sp>
+        </p:nvPicPr>
+        <p:blipFill>
+          <a:blip r:embed="rId2"/>
+          <a:stretch>
+            <a:fillRect/>
+          </a:stretch>
+        </p:blipFill>
+        <p:spPr>
+          <a:xfrm>
+            <a:off x="-1373423" y="-688805"/>
+            <a:ext cx="14938846" cy="8480255"/>
+          </a:xfrm>
+        </p:spPr>
+      </p:pic>
     </p:spTree>
     <p:extLst>
       <p:ext uri="{BB962C8B-B14F-4D97-AF65-F5344CB8AC3E}">
-        <p14:creationId xmlns:p14="http://schemas.microsoft.com/office/powerpoint/2010/main" val="3244921782"/>
+        <p14:creationId xmlns:p14="http://schemas.microsoft.com/office/powerpoint/2010/main" val="641175487"/>
       </p:ext>
     </p:extLst>
   </p:cSld>
@@ -4490,7 +4441,7 @@
           <p:cNvPr id="2" name="Title 1">
             <a:extLst>
               <a:ext uri="{FF2B5EF4-FFF2-40B4-BE49-F238E27FC236}">
-                <a16:creationId xmlns:a16="http://schemas.microsoft.com/office/drawing/2014/main" id="{036CCC6E-4DF8-47EC-B53E-F9AACF080CA5}"/>
+                <a16:creationId xmlns:a16="http://schemas.microsoft.com/office/drawing/2014/main" id="{E59A3BCC-F096-4006-AD26-853E09FDEDE3}"/>
               </a:ext>
             </a:extLst>
           </p:cNvPr>
@@ -4503,14 +4454,12 @@
         </p:nvSpPr>
         <p:spPr/>
         <p:txBody>
-          <a:bodyPr>
-            <a:normAutofit/>
-          </a:bodyPr>
+          <a:bodyPr/>
           <a:lstStyle/>
           <a:p>
             <a:r>
               <a:rPr lang="en-GB" dirty="0"/>
-              <a:t>Challenges around the day</a:t>
+              <a:t>We are team 4</a:t>
             </a:r>
           </a:p>
         </p:txBody>
@@ -4520,7 +4469,7 @@
           <p:cNvPr id="3" name="Content Placeholder 2">
             <a:extLst>
               <a:ext uri="{FF2B5EF4-FFF2-40B4-BE49-F238E27FC236}">
-                <a16:creationId xmlns:a16="http://schemas.microsoft.com/office/drawing/2014/main" id="{AD3E41A8-0D3C-40E1-AEF0-84A02EF017CF}"/>
+                <a16:creationId xmlns:a16="http://schemas.microsoft.com/office/drawing/2014/main" id="{B7FC754C-E453-4BAD-A0FC-6E8C489D9E92}"/>
               </a:ext>
             </a:extLst>
           </p:cNvPr>
@@ -4538,36 +4487,35 @@
           <a:p>
             <a:r>
               <a:rPr lang="en-GB" dirty="0"/>
-              <a:t>People issues – we lost a teammate through connectivity problems</a:t>
-            </a:r>
+              <a:t>Julian: </a:t>
+            </a:r>
+            <a:r>
+              <a:rPr lang="en-US" dirty="0"/>
+              <a:t>Physician, clinical background in internal medicine, currently working in medical informatics on semantics</a:t>
+            </a:r>
+            <a:endParaRPr lang="en-GB" dirty="0"/>
           </a:p>
           <a:p>
             <a:r>
               <a:rPr lang="en-GB" dirty="0"/>
-              <a:t>Technical issues – we lost time on the initial ideas phase due to computer problems</a:t>
-            </a:r>
-          </a:p>
-          <a:p>
-            <a:pPr lvl="1"/>
+              <a:t>Scott: </a:t>
+            </a:r>
+            <a:r>
+              <a:rPr lang="en-US" dirty="0"/>
+              <a:t>Experienced software engineer. Recently joined university of Manchester. Learning about FHIR, informatics and academia in general.</a:t>
+            </a:r>
+            <a:endParaRPr lang="en-GB" dirty="0"/>
+          </a:p>
+          <a:p>
             <a:r>
               <a:rPr lang="en-GB" dirty="0"/>
-              <a:t>A laptop died</a:t>
-            </a:r>
-          </a:p>
-          <a:p>
-            <a:pPr lvl="1"/>
-            <a:r>
-              <a:rPr lang="en-GB" dirty="0"/>
-              <a:t>Audio failures</a:t>
-            </a:r>
-          </a:p>
-          <a:p>
-            <a:r>
-              <a:rPr lang="en-GB" dirty="0"/>
-              <a:t>Hard to distribute work between the team</a:t>
-            </a:r>
-          </a:p>
-          <a:p>
+              <a:t>Ben: Software engineer, Data engineer &amp; business analyst. Good amount of experience with FHIR.</a:t>
+            </a:r>
+          </a:p>
+          <a:p>
+            <a:pPr marL="0" indent="0">
+              <a:buNone/>
+            </a:pPr>
             <a:endParaRPr lang="en-GB" dirty="0"/>
           </a:p>
         </p:txBody>
@@ -4577,7 +4525,7 @@
           <p:cNvPr id="4" name="Text Placeholder 3">
             <a:extLst>
               <a:ext uri="{FF2B5EF4-FFF2-40B4-BE49-F238E27FC236}">
-                <a16:creationId xmlns:a16="http://schemas.microsoft.com/office/drawing/2014/main" id="{AD7CF954-2BCA-46CD-BD5E-FA46ADB3D8AB}"/>
+                <a16:creationId xmlns:a16="http://schemas.microsoft.com/office/drawing/2014/main" id="{4798C1AB-C2FA-4500-A7AE-B4F07317B8BA}"/>
               </a:ext>
             </a:extLst>
           </p:cNvPr>
@@ -4600,7 +4548,7 @@
     </p:spTree>
     <p:extLst>
       <p:ext uri="{BB962C8B-B14F-4D97-AF65-F5344CB8AC3E}">
-        <p14:creationId xmlns:p14="http://schemas.microsoft.com/office/powerpoint/2010/main" val="1897992791"/>
+        <p14:creationId xmlns:p14="http://schemas.microsoft.com/office/powerpoint/2010/main" val="3244921782"/>
       </p:ext>
     </p:extLst>
   </p:cSld>
@@ -4632,7 +4580,7 @@
           <p:cNvPr id="2" name="Title 1">
             <a:extLst>
               <a:ext uri="{FF2B5EF4-FFF2-40B4-BE49-F238E27FC236}">
-                <a16:creationId xmlns:a16="http://schemas.microsoft.com/office/drawing/2014/main" id="{E673DA54-0400-4999-B750-54265B5774D0}"/>
+                <a16:creationId xmlns:a16="http://schemas.microsoft.com/office/drawing/2014/main" id="{036CCC6E-4DF8-47EC-B53E-F9AACF080CA5}"/>
               </a:ext>
             </a:extLst>
           </p:cNvPr>
@@ -4645,16 +4593,14 @@
         </p:nvSpPr>
         <p:spPr/>
         <p:txBody>
-          <a:bodyPr/>
+          <a:bodyPr>
+            <a:normAutofit/>
+          </a:bodyPr>
           <a:lstStyle/>
           <a:p>
             <a:r>
-              <a:rPr lang="en-GB" sz="2800" dirty="0"/>
-              <a:t>Implementation</a:t>
-            </a:r>
-            <a:r>
               <a:rPr lang="en-GB" dirty="0"/>
-              <a:t> </a:t>
+              <a:t>Challenges around the day</a:t>
             </a:r>
           </a:p>
         </p:txBody>
@@ -4664,7 +4610,7 @@
           <p:cNvPr id="3" name="Content Placeholder 2">
             <a:extLst>
               <a:ext uri="{FF2B5EF4-FFF2-40B4-BE49-F238E27FC236}">
-                <a16:creationId xmlns:a16="http://schemas.microsoft.com/office/drawing/2014/main" id="{081D819A-DBA9-4D26-99A1-A5A256D8924D}"/>
+                <a16:creationId xmlns:a16="http://schemas.microsoft.com/office/drawing/2014/main" id="{AD3E41A8-0D3C-40E1-AEF0-84A02EF017CF}"/>
               </a:ext>
             </a:extLst>
           </p:cNvPr>
@@ -4682,87 +4628,36 @@
           <a:p>
             <a:r>
               <a:rPr lang="en-GB" dirty="0"/>
-              <a:t>We used CQL to build a query!</a:t>
+              <a:t>People issues – we lost a teammate through connectivity problems</a:t>
+            </a:r>
+          </a:p>
+          <a:p>
+            <a:r>
+              <a:rPr lang="en-GB" dirty="0"/>
+              <a:t>Technical issues – we lost time on the initial ideas phase due to computer problems</a:t>
             </a:r>
           </a:p>
           <a:p>
             <a:pPr lvl="1"/>
             <a:r>
               <a:rPr lang="en-GB" dirty="0"/>
-              <a:t>This was super simple and exclusively looked for SNOMED codes</a:t>
+              <a:t>A laptop died</a:t>
             </a:r>
           </a:p>
           <a:p>
             <a:pPr lvl="1"/>
             <a:r>
               <a:rPr lang="en-GB" dirty="0"/>
-              <a:t>Could be extended to any standard terminology or even </a:t>
-            </a:r>
-            <a:r>
-              <a:rPr lang="en-GB" dirty="0" err="1"/>
-              <a:t>CodeSystems</a:t>
-            </a:r>
+              <a:t>Audio failures</a:t>
+            </a:r>
+          </a:p>
+          <a:p>
             <a:r>
               <a:rPr lang="en-GB" dirty="0"/>
-              <a:t>/</a:t>
-            </a:r>
-            <a:r>
-              <a:rPr lang="en-GB" dirty="0" err="1"/>
-              <a:t>ValueSets</a:t>
-            </a:r>
-            <a:r>
-              <a:rPr lang="en-GB" dirty="0"/>
-              <a:t> embedded within a FHIR server</a:t>
-            </a:r>
-          </a:p>
-          <a:p>
-            <a:pPr lvl="1"/>
-            <a:r>
-              <a:rPr lang="en-GB" dirty="0"/>
-              <a:t>Could identify elements by range or likely any other sensibly </a:t>
-            </a:r>
-            <a:r>
-              <a:rPr lang="en-GB" dirty="0" err="1"/>
-              <a:t>queryable</a:t>
-            </a:r>
-            <a:r>
-              <a:rPr lang="en-GB" dirty="0"/>
-              <a:t> </a:t>
-            </a:r>
-            <a:r>
-              <a:rPr lang="en-GB" dirty="0" err="1"/>
-              <a:t>signateure</a:t>
-            </a:r>
-            <a:endParaRPr lang="en-GB" dirty="0"/>
-          </a:p>
-          <a:p>
-            <a:r>
-              <a:rPr lang="en-GB" dirty="0"/>
-              <a:t>We didn’t put this into a FHIR server. </a:t>
-            </a:r>
-          </a:p>
-          <a:p>
-            <a:pPr lvl="1"/>
-            <a:r>
-              <a:rPr lang="en-GB" dirty="0"/>
-              <a:t>This looked time consuming and given the resource available there were obvious lessons to take</a:t>
-            </a:r>
-          </a:p>
-          <a:p>
-            <a:pPr lvl="1"/>
-            <a:r>
-              <a:rPr lang="en-GB" dirty="0"/>
-              <a:t>It looked easily possible to POST this to a FHIR server with only a little work</a:t>
-            </a:r>
-          </a:p>
-          <a:p>
-            <a:r>
-              <a:rPr lang="en-GB" dirty="0"/>
-              <a:t>We the looked at other ideas around usage within the context of an LHS</a:t>
-            </a:r>
-          </a:p>
-          <a:p>
-            <a:pPr lvl="1"/>
+              <a:t>Hard to distribute work between the team</a:t>
+            </a:r>
+          </a:p>
+          <a:p>
             <a:endParaRPr lang="en-GB" dirty="0"/>
           </a:p>
         </p:txBody>
@@ -4772,7 +4667,7 @@
           <p:cNvPr id="4" name="Text Placeholder 3">
             <a:extLst>
               <a:ext uri="{FF2B5EF4-FFF2-40B4-BE49-F238E27FC236}">
-                <a16:creationId xmlns:a16="http://schemas.microsoft.com/office/drawing/2014/main" id="{FD3D5796-CF7B-457D-8690-CDA257DEA6C2}"/>
+                <a16:creationId xmlns:a16="http://schemas.microsoft.com/office/drawing/2014/main" id="{AD7CF954-2BCA-46CD-BD5E-FA46ADB3D8AB}"/>
               </a:ext>
             </a:extLst>
           </p:cNvPr>
@@ -4795,7 +4690,7 @@
     </p:spTree>
     <p:extLst>
       <p:ext uri="{BB962C8B-B14F-4D97-AF65-F5344CB8AC3E}">
-        <p14:creationId xmlns:p14="http://schemas.microsoft.com/office/powerpoint/2010/main" val="1786117307"/>
+        <p14:creationId xmlns:p14="http://schemas.microsoft.com/office/powerpoint/2010/main" val="1897992791"/>
       </p:ext>
     </p:extLst>
   </p:cSld>
@@ -4827,6 +4722,201 @@
           <p:cNvPr id="2" name="Title 1">
             <a:extLst>
               <a:ext uri="{FF2B5EF4-FFF2-40B4-BE49-F238E27FC236}">
+                <a16:creationId xmlns:a16="http://schemas.microsoft.com/office/drawing/2014/main" id="{E673DA54-0400-4999-B750-54265B5774D0}"/>
+              </a:ext>
+            </a:extLst>
+          </p:cNvPr>
+          <p:cNvSpPr>
+            <a:spLocks noGrp="1"/>
+          </p:cNvSpPr>
+          <p:nvPr>
+            <p:ph type="title"/>
+          </p:nvPr>
+        </p:nvSpPr>
+        <p:spPr/>
+        <p:txBody>
+          <a:bodyPr/>
+          <a:lstStyle/>
+          <a:p>
+            <a:r>
+              <a:rPr lang="en-GB" sz="2800" dirty="0"/>
+              <a:t>Implementation</a:t>
+            </a:r>
+            <a:r>
+              <a:rPr lang="en-GB" dirty="0"/>
+              <a:t> </a:t>
+            </a:r>
+          </a:p>
+        </p:txBody>
+      </p:sp>
+      <p:sp>
+        <p:nvSpPr>
+          <p:cNvPr id="3" name="Content Placeholder 2">
+            <a:extLst>
+              <a:ext uri="{FF2B5EF4-FFF2-40B4-BE49-F238E27FC236}">
+                <a16:creationId xmlns:a16="http://schemas.microsoft.com/office/drawing/2014/main" id="{081D819A-DBA9-4D26-99A1-A5A256D8924D}"/>
+              </a:ext>
+            </a:extLst>
+          </p:cNvPr>
+          <p:cNvSpPr>
+            <a:spLocks noGrp="1"/>
+          </p:cNvSpPr>
+          <p:nvPr>
+            <p:ph idx="1"/>
+          </p:nvPr>
+        </p:nvSpPr>
+        <p:spPr/>
+        <p:txBody>
+          <a:bodyPr/>
+          <a:lstStyle/>
+          <a:p>
+            <a:r>
+              <a:rPr lang="en-GB" dirty="0"/>
+              <a:t>We used CQL to build a query!</a:t>
+            </a:r>
+          </a:p>
+          <a:p>
+            <a:pPr lvl="1"/>
+            <a:r>
+              <a:rPr lang="en-GB" dirty="0"/>
+              <a:t>This was super simple and exclusively looked for SNOMED codes</a:t>
+            </a:r>
+          </a:p>
+          <a:p>
+            <a:pPr lvl="1"/>
+            <a:r>
+              <a:rPr lang="en-GB" dirty="0"/>
+              <a:t>Could be extended to any standard terminology or even </a:t>
+            </a:r>
+            <a:r>
+              <a:rPr lang="en-GB" dirty="0" err="1"/>
+              <a:t>CodeSystems</a:t>
+            </a:r>
+            <a:r>
+              <a:rPr lang="en-GB" dirty="0"/>
+              <a:t>/</a:t>
+            </a:r>
+            <a:r>
+              <a:rPr lang="en-GB" dirty="0" err="1"/>
+              <a:t>ValueSets</a:t>
+            </a:r>
+            <a:r>
+              <a:rPr lang="en-GB" dirty="0"/>
+              <a:t> embedded within a FHIR server</a:t>
+            </a:r>
+          </a:p>
+          <a:p>
+            <a:pPr lvl="1"/>
+            <a:r>
+              <a:rPr lang="en-GB" dirty="0"/>
+              <a:t>Could identify elements by range or likely any other sensibly </a:t>
+            </a:r>
+            <a:r>
+              <a:rPr lang="en-GB" dirty="0" err="1"/>
+              <a:t>queryable</a:t>
+            </a:r>
+            <a:r>
+              <a:rPr lang="en-GB" dirty="0"/>
+              <a:t> </a:t>
+            </a:r>
+            <a:r>
+              <a:rPr lang="en-GB" dirty="0" err="1"/>
+              <a:t>signateure</a:t>
+            </a:r>
+            <a:endParaRPr lang="en-GB" dirty="0"/>
+          </a:p>
+          <a:p>
+            <a:r>
+              <a:rPr lang="en-GB" dirty="0"/>
+              <a:t>We didn’t put this into a FHIR server. </a:t>
+            </a:r>
+          </a:p>
+          <a:p>
+            <a:pPr lvl="1"/>
+            <a:r>
+              <a:rPr lang="en-GB" dirty="0"/>
+              <a:t>This looked time consuming and given the resource available there were obvious lessons to take</a:t>
+            </a:r>
+          </a:p>
+          <a:p>
+            <a:pPr lvl="1"/>
+            <a:r>
+              <a:rPr lang="en-GB" dirty="0"/>
+              <a:t>It looked easily possible to POST this to a FHIR server with only a little work</a:t>
+            </a:r>
+          </a:p>
+          <a:p>
+            <a:r>
+              <a:rPr lang="en-GB" dirty="0"/>
+              <a:t>We the looked at other ideas around usage within the context of an LHS</a:t>
+            </a:r>
+          </a:p>
+          <a:p>
+            <a:pPr lvl="1"/>
+            <a:endParaRPr lang="en-GB" dirty="0"/>
+          </a:p>
+        </p:txBody>
+      </p:sp>
+      <p:sp>
+        <p:nvSpPr>
+          <p:cNvPr id="4" name="Text Placeholder 3">
+            <a:extLst>
+              <a:ext uri="{FF2B5EF4-FFF2-40B4-BE49-F238E27FC236}">
+                <a16:creationId xmlns:a16="http://schemas.microsoft.com/office/drawing/2014/main" id="{FD3D5796-CF7B-457D-8690-CDA257DEA6C2}"/>
+              </a:ext>
+            </a:extLst>
+          </p:cNvPr>
+          <p:cNvSpPr>
+            <a:spLocks noGrp="1"/>
+          </p:cNvSpPr>
+          <p:nvPr>
+            <p:ph type="body" sz="half" idx="2"/>
+          </p:nvPr>
+        </p:nvSpPr>
+        <p:spPr/>
+        <p:txBody>
+          <a:bodyPr/>
+          <a:lstStyle/>
+          <a:p>
+            <a:endParaRPr lang="en-GB" dirty="0"/>
+          </a:p>
+        </p:txBody>
+      </p:sp>
+    </p:spTree>
+    <p:extLst>
+      <p:ext uri="{BB962C8B-B14F-4D97-AF65-F5344CB8AC3E}">
+        <p14:creationId xmlns:p14="http://schemas.microsoft.com/office/powerpoint/2010/main" val="1786117307"/>
+      </p:ext>
+    </p:extLst>
+  </p:cSld>
+  <p:clrMapOvr>
+    <a:masterClrMapping/>
+  </p:clrMapOvr>
+</p:sld>
+</file>
+
+<file path=ppt/slides/slide6.xml><?xml version="1.0" encoding="utf-8"?>
+<p:sld xmlns:a="http://schemas.openxmlformats.org/drawingml/2006/main" xmlns:r="http://schemas.openxmlformats.org/officeDocument/2006/relationships" xmlns:p="http://schemas.openxmlformats.org/presentationml/2006/main">
+  <p:cSld>
+    <p:spTree>
+      <p:nvGrpSpPr>
+        <p:cNvPr id="1" name=""/>
+        <p:cNvGrpSpPr/>
+        <p:nvPr/>
+      </p:nvGrpSpPr>
+      <p:grpSpPr>
+        <a:xfrm>
+          <a:off x="0" y="0"/>
+          <a:ext cx="0" cy="0"/>
+          <a:chOff x="0" y="0"/>
+          <a:chExt cx="0" cy="0"/>
+        </a:xfrm>
+      </p:grpSpPr>
+      <p:sp>
+        <p:nvSpPr>
+          <p:cNvPr id="2" name="Title 1">
+            <a:extLst>
+              <a:ext uri="{FF2B5EF4-FFF2-40B4-BE49-F238E27FC236}">
                 <a16:creationId xmlns:a16="http://schemas.microsoft.com/office/drawing/2014/main" id="{DCB1E861-A552-49D4-9787-EEFF1B134EF0}"/>
               </a:ext>
             </a:extLst>
@@ -4956,7 +5046,7 @@
 </p:sld>
 </file>
 
-<file path=ppt/slides/slide6.xml><?xml version="1.0" encoding="utf-8"?>
+<file path=ppt/slides/slide7.xml><?xml version="1.0" encoding="utf-8"?>
 <p:sld xmlns:a="http://schemas.openxmlformats.org/drawingml/2006/main" xmlns:r="http://schemas.openxmlformats.org/officeDocument/2006/relationships" xmlns:p="http://schemas.openxmlformats.org/presentationml/2006/main">
   <p:cSld>
     <p:spTree>
@@ -5390,6 +5480,12 @@
 </file>
 
 <file path=customXml/item1.xml><?xml version="1.0" encoding="utf-8"?>
+<p:properties xmlns:p="http://schemas.microsoft.com/office/2006/metadata/properties" xmlns:xsi="http://www.w3.org/2001/XMLSchema-instance" xmlns:pc="http://schemas.microsoft.com/office/infopath/2007/PartnerControls">
+  <documentManagement/>
+</p:properties>
+</file>
+
+<file path=customXml/item2.xml><?xml version="1.0" encoding="utf-8"?>
 <ct:contentTypeSchema xmlns:ct="http://schemas.microsoft.com/office/2006/metadata/contentType" xmlns:ma="http://schemas.microsoft.com/office/2006/metadata/properties/metaAttributes" ct:_="" ma:_="" ma:contentTypeName="Document" ma:contentTypeID="0x01010038F6673513213E47851DA09FACF84433" ma:contentTypeVersion="2" ma:contentTypeDescription="Create a new document." ma:contentTypeScope="" ma:versionID="23cc202579fc61c9c3d6e475eef41731">
   <xsd:schema xmlns:xsd="http://www.w3.org/2001/XMLSchema" xmlns:xs="http://www.w3.org/2001/XMLSchema" xmlns:p="http://schemas.microsoft.com/office/2006/metadata/properties" xmlns:ns3="db4257c5-c1bb-4f42-817a-c5ed313d6230" targetNamespace="http://schemas.microsoft.com/office/2006/metadata/properties" ma:root="true" ma:fieldsID="fdc9d928525a03e8ef737bd340254f58" ns3:_="">
     <xsd:import namespace="db4257c5-c1bb-4f42-817a-c5ed313d6230"/>
@@ -5521,12 +5617,6 @@
 </ct:contentTypeSchema>
 </file>
 
-<file path=customXml/item2.xml><?xml version="1.0" encoding="utf-8"?>
-<p:properties xmlns:p="http://schemas.microsoft.com/office/2006/metadata/properties" xmlns:xsi="http://www.w3.org/2001/XMLSchema-instance" xmlns:pc="http://schemas.microsoft.com/office/infopath/2007/PartnerControls">
-  <documentManagement/>
-</p:properties>
-</file>
-
 <file path=customXml/item3.xml><?xml version="1.0" encoding="utf-8"?>
 <?mso-contentType ?>
 <FormTemplates xmlns="http://schemas.microsoft.com/sharepoint/v3/contenttype/forms">
@@ -5537,6 +5627,22 @@
 </file>
 
 <file path=customXml/itemProps1.xml><?xml version="1.0" encoding="utf-8"?>
+<ds:datastoreItem xmlns:ds="http://schemas.openxmlformats.org/officeDocument/2006/customXml" ds:itemID="{137651BA-F45C-4845-9AB3-E0A65B39F5E1}">
+  <ds:schemaRefs>
+    <ds:schemaRef ds:uri="http://purl.org/dc/terms/"/>
+    <ds:schemaRef ds:uri="http://schemas.openxmlformats.org/package/2006/metadata/core-properties"/>
+    <ds:schemaRef ds:uri="http://schemas.microsoft.com/office/infopath/2007/PartnerControls"/>
+    <ds:schemaRef ds:uri="http://schemas.microsoft.com/office/2006/metadata/properties"/>
+    <ds:schemaRef ds:uri="http://purl.org/dc/dcmitype/"/>
+    <ds:schemaRef ds:uri="http://purl.org/dc/elements/1.1/"/>
+    <ds:schemaRef ds:uri="http://schemas.microsoft.com/office/2006/documentManagement/types"/>
+    <ds:schemaRef ds:uri="db4257c5-c1bb-4f42-817a-c5ed313d6230"/>
+    <ds:schemaRef ds:uri="http://www.w3.org/XML/1998/namespace"/>
+  </ds:schemaRefs>
+</ds:datastoreItem>
+</file>
+
+<file path=customXml/itemProps2.xml><?xml version="1.0" encoding="utf-8"?>
 <ds:datastoreItem xmlns:ds="http://schemas.openxmlformats.org/officeDocument/2006/customXml" ds:itemID="{66B4549E-3966-4167-98CD-DCBEE069D464}">
   <ds:schemaRefs>
     <ds:schemaRef ds:uri="http://schemas.microsoft.com/office/2006/metadata/contentType"/>
@@ -5554,22 +5660,6 @@
 </ds:datastoreItem>
 </file>
 
-<file path=customXml/itemProps2.xml><?xml version="1.0" encoding="utf-8"?>
-<ds:datastoreItem xmlns:ds="http://schemas.openxmlformats.org/officeDocument/2006/customXml" ds:itemID="{137651BA-F45C-4845-9AB3-E0A65B39F5E1}">
-  <ds:schemaRefs>
-    <ds:schemaRef ds:uri="http://purl.org/dc/terms/"/>
-    <ds:schemaRef ds:uri="http://schemas.openxmlformats.org/package/2006/metadata/core-properties"/>
-    <ds:schemaRef ds:uri="http://schemas.microsoft.com/office/infopath/2007/PartnerControls"/>
-    <ds:schemaRef ds:uri="http://schemas.microsoft.com/office/2006/metadata/properties"/>
-    <ds:schemaRef ds:uri="http://purl.org/dc/dcmitype/"/>
-    <ds:schemaRef ds:uri="http://purl.org/dc/elements/1.1/"/>
-    <ds:schemaRef ds:uri="http://schemas.microsoft.com/office/2006/documentManagement/types"/>
-    <ds:schemaRef ds:uri="db4257c5-c1bb-4f42-817a-c5ed313d6230"/>
-    <ds:schemaRef ds:uri="http://www.w3.org/XML/1998/namespace"/>
-  </ds:schemaRefs>
-</ds:datastoreItem>
-</file>
-
 <file path=customXml/itemProps3.xml><?xml version="1.0" encoding="utf-8"?>
 <ds:datastoreItem xmlns:ds="http://schemas.openxmlformats.org/officeDocument/2006/customXml" ds:itemID="{CDB58277-F8DF-46FF-84EC-EF41B835E69F}">
   <ds:schemaRefs>
